--- a/machine_learning_pp_fin.pptx
+++ b/machine_learning_pp_fin.pptx
@@ -376,7 +376,7 @@
           <a:p>
             <a:fld id="{9184DA70-C731-4C70-880D-CCD4705E623C}" type="datetime1">
               <a:rPr lang="en-US" smtClean="0"/>
-              <a:t>3/2/2020</a:t>
+              <a:t>3/2/20</a:t>
             </a:fld>
             <a:endParaRPr lang="en-US" dirty="0"/>
           </a:p>
@@ -564,7 +564,7 @@
           <a:p>
             <a:fld id="{B612A279-0833-481D-8C56-F67FD0AC6C50}" type="datetime1">
               <a:rPr lang="en-US" smtClean="0"/>
-              <a:t>3/2/2020</a:t>
+              <a:t>3/2/20</a:t>
             </a:fld>
             <a:endParaRPr lang="en-US" dirty="0"/>
           </a:p>
@@ -806,7 +806,7 @@
           <a:p>
             <a:fld id="{6587DA83-5663-4C9C-B9AA-0B40A3DAFF81}" type="datetime1">
               <a:rPr lang="en-US" smtClean="0"/>
-              <a:t>3/2/2020</a:t>
+              <a:t>3/2/20</a:t>
             </a:fld>
             <a:endParaRPr lang="en-US" dirty="0"/>
           </a:p>
@@ -994,7 +994,7 @@
           <a:p>
             <a:fld id="{4BE1D723-8F53-4F53-90B0-1982A396982E}" type="datetime1">
               <a:rPr lang="en-US" smtClean="0"/>
-              <a:t>3/2/2020</a:t>
+              <a:t>3/2/20</a:t>
             </a:fld>
             <a:endParaRPr lang="en-US" dirty="0"/>
           </a:p>
@@ -1367,7 +1367,7 @@
           <a:p>
             <a:fld id="{97669AF7-7BEB-44E4-9852-375E34362B5B}" type="datetime1">
               <a:rPr lang="en-US" smtClean="0"/>
-              <a:t>3/2/2020</a:t>
+              <a:t>3/2/20</a:t>
             </a:fld>
             <a:endParaRPr lang="en-US" dirty="0"/>
           </a:p>
@@ -1622,7 +1622,7 @@
           <a:p>
             <a:fld id="{BAAAC38D-0552-4C82-B593-E6124DFADBE2}" type="datetime1">
               <a:rPr lang="en-US" smtClean="0"/>
-              <a:t>3/2/2020</a:t>
+              <a:t>3/2/20</a:t>
             </a:fld>
             <a:endParaRPr lang="en-US" dirty="0"/>
           </a:p>
@@ -2019,7 +2019,7 @@
           <a:p>
             <a:fld id="{D9DF0F1C-5577-4ACB-BB62-DF8F3C494C7E}" type="datetime1">
               <a:rPr lang="en-US" smtClean="0"/>
-              <a:t>3/2/2020</a:t>
+              <a:t>3/2/20</a:t>
             </a:fld>
             <a:endParaRPr lang="en-US" dirty="0"/>
           </a:p>
@@ -2155,7 +2155,7 @@
           <a:p>
             <a:fld id="{1775B394-D9F9-4F0C-B15D-605F45CB9E9F}" type="datetime1">
               <a:rPr lang="en-US" smtClean="0"/>
-              <a:t>3/2/2020</a:t>
+              <a:t>3/2/20</a:t>
             </a:fld>
             <a:endParaRPr lang="en-US" dirty="0"/>
           </a:p>
@@ -2312,7 +2312,7 @@
           <a:p>
             <a:fld id="{39667345-2558-425A-8533-9BFDBCE15005}" type="datetime1">
               <a:rPr lang="en-US" smtClean="0"/>
-              <a:t>3/2/2020</a:t>
+              <a:t>3/2/20</a:t>
             </a:fld>
             <a:endParaRPr lang="en-US" dirty="0"/>
           </a:p>
@@ -2641,7 +2641,7 @@
           <a:p>
             <a:fld id="{92BEA474-078D-4E9B-9B14-09A87B19DC46}" type="datetime1">
               <a:rPr lang="en-US" smtClean="0"/>
-              <a:t>3/2/2020</a:t>
+              <a:t>3/2/20</a:t>
             </a:fld>
             <a:endParaRPr lang="en-US" dirty="0"/>
           </a:p>
@@ -2991,7 +2991,7 @@
           <a:p>
             <a:fld id="{4907D986-8816-4272-A432-0437A28A9828}" type="datetime1">
               <a:rPr lang="en-US" smtClean="0"/>
-              <a:t>3/2/2020</a:t>
+              <a:t>3/2/20</a:t>
             </a:fld>
             <a:endParaRPr lang="en-US" dirty="0"/>
           </a:p>
@@ -3252,7 +3252,7 @@
           <a:p>
             <a:fld id="{62D6E202-B606-4609-B914-27C9371A1F6D}" type="datetime1">
               <a:rPr lang="en-US" smtClean="0"/>
-              <a:t>3/2/2020</a:t>
+              <a:t>3/2/20</a:t>
             </a:fld>
             <a:endParaRPr lang="en-US" dirty="0"/>
           </a:p>
@@ -9508,15 +9508,33 @@
                                   </p:childTnLst>
                                 </p:cTn>
                               </p:par>
+                            </p:childTnLst>
+                          </p:cTn>
+                        </p:par>
+                      </p:childTnLst>
+                    </p:cTn>
+                  </p:par>
+                  <p:par>
+                    <p:cTn id="7" fill="hold">
+                      <p:stCondLst>
+                        <p:cond delay="indefinite"/>
+                      </p:stCondLst>
+                      <p:childTnLst>
+                        <p:par>
+                          <p:cTn id="8" fill="hold">
+                            <p:stCondLst>
+                              <p:cond delay="0"/>
+                            </p:stCondLst>
+                            <p:childTnLst>
                               <p:par>
-                                <p:cTn id="7" presetID="1" presetClass="entr" presetSubtype="0" fill="hold" grpId="0" nodeType="withEffect">
+                                <p:cTn id="9" presetID="1" presetClass="entr" presetSubtype="0" fill="hold" grpId="0" nodeType="clickEffect">
                                   <p:stCondLst>
                                     <p:cond delay="0"/>
                                   </p:stCondLst>
                                   <p:childTnLst>
                                     <p:set>
                                       <p:cBhvr>
-                                        <p:cTn id="8" dur="1" fill="hold">
+                                        <p:cTn id="10" dur="1" fill="hold">
                                           <p:stCondLst>
                                             <p:cond delay="0"/>
                                           </p:stCondLst>
